--- a/projeto/Documentos/Apresentação Sprint1.pptx
+++ b/projeto/Documentos/Apresentação Sprint1.pptx
@@ -164,7 +164,10 @@
 <file path=ppt/revisionInfo.xml><?xml version="1.0" encoding="utf-8"?>
 <p1510:revInfo xmlns:a="http://schemas.openxmlformats.org/drawingml/2006/main" xmlns:r="http://schemas.openxmlformats.org/officeDocument/2006/relationships" xmlns:p1510="http://schemas.microsoft.com/office/powerpoint/2015/10/main">
   <p1510:revLst>
+    <p1510:client id="{6936021D-C62B-4DED-D097-86ADDEF356AC}" v="58" dt="2020-09-15T00:26:10.883"/>
     <p1510:client id="{7A78D1DE-10B4-DFBF-E2F9-7BE2ADA77041}" v="11" dt="2020-09-12T23:34:51.820"/>
+    <p1510:client id="{83D4BAA1-5753-2AE2-8398-FF95BA7251F2}" v="162" dt="2020-09-14T23:24:17.708"/>
+    <p1510:client id="{FC9F1866-F414-830F-1E78-0E05C33DE7B4}" v="77" dt="2020-09-14T15:16:20.381"/>
   </p1510:revLst>
 </p1510:revInfo>
 </file>
@@ -349,7 +352,7 @@
             <a:fld id="{1D8BD707-D9CF-40AE-B4C6-C98DA3205C09}" type="datetimeFigureOut">
               <a:rPr lang="en-US" smtClean="0"/>
               <a:pPr/>
-              <a:t>9/13/2020</a:t>
+              <a:t>9/14/2020</a:t>
             </a:fld>
             <a:endParaRPr lang="en-US"/>
           </a:p>
@@ -514,7 +517,7 @@
             <a:fld id="{1D8BD707-D9CF-40AE-B4C6-C98DA3205C09}" type="datetimeFigureOut">
               <a:rPr lang="en-US" smtClean="0"/>
               <a:pPr/>
-              <a:t>9/13/2020</a:t>
+              <a:t>9/14/2020</a:t>
             </a:fld>
             <a:endParaRPr lang="en-US"/>
           </a:p>
@@ -689,7 +692,7 @@
             <a:fld id="{1D8BD707-D9CF-40AE-B4C6-C98DA3205C09}" type="datetimeFigureOut">
               <a:rPr lang="en-US" smtClean="0"/>
               <a:pPr/>
-              <a:t>9/13/2020</a:t>
+              <a:t>9/14/2020</a:t>
             </a:fld>
             <a:endParaRPr lang="en-US"/>
           </a:p>
@@ -854,7 +857,7 @@
             <a:fld id="{1D8BD707-D9CF-40AE-B4C6-C98DA3205C09}" type="datetimeFigureOut">
               <a:rPr lang="en-US" smtClean="0"/>
               <a:pPr/>
-              <a:t>9/13/2020</a:t>
+              <a:t>9/14/2020</a:t>
             </a:fld>
             <a:endParaRPr lang="en-US"/>
           </a:p>
@@ -1096,7 +1099,7 @@
             <a:fld id="{1D8BD707-D9CF-40AE-B4C6-C98DA3205C09}" type="datetimeFigureOut">
               <a:rPr lang="en-US" smtClean="0"/>
               <a:pPr/>
-              <a:t>9/13/2020</a:t>
+              <a:t>9/14/2020</a:t>
             </a:fld>
             <a:endParaRPr lang="en-US"/>
           </a:p>
@@ -1378,7 +1381,7 @@
             <a:fld id="{1D8BD707-D9CF-40AE-B4C6-C98DA3205C09}" type="datetimeFigureOut">
               <a:rPr lang="en-US" smtClean="0"/>
               <a:pPr/>
-              <a:t>9/13/2020</a:t>
+              <a:t>9/14/2020</a:t>
             </a:fld>
             <a:endParaRPr lang="en-US"/>
           </a:p>
@@ -1794,7 +1797,7 @@
             <a:fld id="{1D8BD707-D9CF-40AE-B4C6-C98DA3205C09}" type="datetimeFigureOut">
               <a:rPr lang="en-US" smtClean="0"/>
               <a:pPr/>
-              <a:t>9/13/2020</a:t>
+              <a:t>9/14/2020</a:t>
             </a:fld>
             <a:endParaRPr lang="en-US"/>
           </a:p>
@@ -1908,7 +1911,7 @@
             <a:fld id="{1D8BD707-D9CF-40AE-B4C6-C98DA3205C09}" type="datetimeFigureOut">
               <a:rPr lang="en-US" smtClean="0"/>
               <a:pPr/>
-              <a:t>9/13/2020</a:t>
+              <a:t>9/14/2020</a:t>
             </a:fld>
             <a:endParaRPr lang="en-US"/>
           </a:p>
@@ -2000,7 +2003,7 @@
             <a:fld id="{1D8BD707-D9CF-40AE-B4C6-C98DA3205C09}" type="datetimeFigureOut">
               <a:rPr lang="en-US" smtClean="0"/>
               <a:pPr/>
-              <a:t>9/13/2020</a:t>
+              <a:t>9/14/2020</a:t>
             </a:fld>
             <a:endParaRPr lang="en-US"/>
           </a:p>
@@ -2272,7 +2275,7 @@
             <a:fld id="{1D8BD707-D9CF-40AE-B4C6-C98DA3205C09}" type="datetimeFigureOut">
               <a:rPr lang="en-US" smtClean="0"/>
               <a:pPr/>
-              <a:t>9/13/2020</a:t>
+              <a:t>9/14/2020</a:t>
             </a:fld>
             <a:endParaRPr lang="en-US"/>
           </a:p>
@@ -2521,7 +2524,7 @@
             <a:fld id="{1D8BD707-D9CF-40AE-B4C6-C98DA3205C09}" type="datetimeFigureOut">
               <a:rPr lang="en-US" smtClean="0"/>
               <a:pPr/>
-              <a:t>9/13/2020</a:t>
+              <a:t>9/14/2020</a:t>
             </a:fld>
             <a:endParaRPr lang="en-US"/>
           </a:p>
@@ -2729,7 +2732,7 @@
             <a:fld id="{1D8BD707-D9CF-40AE-B4C6-C98DA3205C09}" type="datetimeFigureOut">
               <a:rPr lang="en-US" smtClean="0"/>
               <a:pPr/>
-              <a:t>9/13/2020</a:t>
+              <a:t>9/14/2020</a:t>
             </a:fld>
             <a:endParaRPr lang="en-US"/>
           </a:p>
@@ -4564,9 +4567,53 @@
           <a:chExt cx="0" cy="0"/>
         </a:xfrm>
       </p:grpSpPr>
+      <p:sp>
+        <p:nvSpPr>
+          <p:cNvPr id="3" name="TextBox 3"/>
+          <p:cNvSpPr txBox="1"/>
+          <p:nvPr/>
+        </p:nvSpPr>
+        <p:spPr>
+          <a:xfrm>
+            <a:off x="5013389" y="971550"/>
+            <a:ext cx="8261222" cy="1016231"/>
+          </a:xfrm>
+          <a:prstGeom prst="rect">
+            <a:avLst/>
+          </a:prstGeom>
+        </p:spPr>
+        <p:txBody>
+          <a:bodyPr lIns="0" tIns="0" rIns="0" bIns="0" rtlCol="0" anchor="t">
+            <a:spAutoFit/>
+          </a:bodyPr>
+          <a:lstStyle/>
+          <a:p>
+            <a:pPr algn="ctr">
+              <a:lnSpc>
+                <a:spcPts val="8190"/>
+              </a:lnSpc>
+            </a:pPr>
+            <a:r>
+              <a:rPr lang="en-US" sz="6300" spc="315">
+                <a:solidFill>
+                  <a:srgbClr val="FDD05A"/>
+                </a:solidFill>
+                <a:latin typeface="League Spartan"/>
+              </a:rPr>
+              <a:t>LEAN UX CANVAS</a:t>
+            </a:r>
+          </a:p>
+        </p:txBody>
+      </p:sp>
       <p:pic>
         <p:nvPicPr>
-          <p:cNvPr id="2" name="Picture 2"/>
+          <p:cNvPr id="4" name="Picture 4" descr="A screenshot of a cell phone&#10;&#10;Description automatically generated">
+            <a:extLst>
+              <a:ext uri="{FF2B5EF4-FFF2-40B4-BE49-F238E27FC236}">
+                <a16:creationId xmlns:a16="http://schemas.microsoft.com/office/drawing/2014/main" id="{D3471ECF-B320-42AB-8A3A-7A62FE461262}"/>
+              </a:ext>
+            </a:extLst>
+          </p:cNvPr>
           <p:cNvPicPr>
             <a:picLocks noChangeAspect="1"/>
           </p:cNvPicPr>
@@ -4574,59 +4621,20 @@
         </p:nvPicPr>
         <p:blipFill>
           <a:blip r:embed="rId2"/>
-          <a:srcRect/>
           <a:stretch>
             <a:fillRect/>
           </a:stretch>
         </p:blipFill>
         <p:spPr>
           <a:xfrm>
-            <a:off x="3156257" y="2178281"/>
-            <a:ext cx="11975487" cy="6721242"/>
+            <a:off x="3158583" y="2282933"/>
+            <a:ext cx="11984772" cy="6724741"/>
           </a:xfrm>
           <a:prstGeom prst="rect">
             <a:avLst/>
           </a:prstGeom>
         </p:spPr>
       </p:pic>
-      <p:sp>
-        <p:nvSpPr>
-          <p:cNvPr id="3" name="TextBox 3"/>
-          <p:cNvSpPr txBox="1"/>
-          <p:nvPr/>
-        </p:nvSpPr>
-        <p:spPr>
-          <a:xfrm>
-            <a:off x="5013389" y="971550"/>
-            <a:ext cx="8261222" cy="1016231"/>
-          </a:xfrm>
-          <a:prstGeom prst="rect">
-            <a:avLst/>
-          </a:prstGeom>
-        </p:spPr>
-        <p:txBody>
-          <a:bodyPr lIns="0" tIns="0" rIns="0" bIns="0" rtlCol="0" anchor="t">
-            <a:spAutoFit/>
-          </a:bodyPr>
-          <a:lstStyle/>
-          <a:p>
-            <a:pPr algn="ctr">
-              <a:lnSpc>
-                <a:spcPts val="8190"/>
-              </a:lnSpc>
-            </a:pPr>
-            <a:r>
-              <a:rPr lang="en-US" sz="6300" spc="315">
-                <a:solidFill>
-                  <a:srgbClr val="FDD05A"/>
-                </a:solidFill>
-                <a:latin typeface="League Spartan"/>
-              </a:rPr>
-              <a:t>LEAN UX CANVAS</a:t>
-            </a:r>
-          </a:p>
-        </p:txBody>
-      </p:sp>
     </p:spTree>
   </p:cSld>
   <p:clrMapOvr>
@@ -4973,8 +4981,8 @@
         </p:nvSpPr>
         <p:spPr>
           <a:xfrm>
-            <a:off x="2090388" y="2242150"/>
-            <a:ext cx="14107223" cy="5603291"/>
+            <a:off x="7136841" y="3687075"/>
+            <a:ext cx="14107223" cy="2756845"/>
           </a:xfrm>
           <a:prstGeom prst="rect">
             <a:avLst/>
@@ -4986,19 +4994,57 @@
           </a:bodyPr>
           <a:lstStyle/>
           <a:p>
-            <a:pPr>
+            <a:pPr marL="685800" indent="-685800">
               <a:lnSpc>
                 <a:spcPts val="7488"/>
               </a:lnSpc>
-            </a:pPr>
-            <a:r>
-              <a:rPr lang="en-US" sz="4992" spc="494">
+              <a:buFont typeface="Arial"/>
+              <a:buChar char="•"/>
+            </a:pPr>
+            <a:r>
+              <a:rPr lang="en-US" sz="4950" spc="494">
                 <a:solidFill>
                   <a:srgbClr val="FFFFFF"/>
                 </a:solidFill>
                 <a:latin typeface="Bebas Neue"/>
               </a:rPr>
-              <a:t>O projeto Luminous nasceu com o intuito de melhorar a relação das empresas com o consumo de energia e principalmente com o meio ambiente, afinal, nada melhor que ajudar com a preservação do meio ambiente e ainda por cima economizar com conta de luz no final do mês.</a:t>
+              <a:t>PROBLEMA </a:t>
+            </a:r>
+          </a:p>
+          <a:p>
+            <a:pPr marL="685800" indent="-685800">
+              <a:lnSpc>
+                <a:spcPts val="7488"/>
+              </a:lnSpc>
+              <a:buFont typeface="Arial"/>
+              <a:buChar char="•"/>
+            </a:pPr>
+            <a:r>
+              <a:rPr lang="en-US" sz="4950" spc="494">
+                <a:solidFill>
+                  <a:srgbClr val="FFFFFF"/>
+                </a:solidFill>
+                <a:latin typeface="Bebas Neue"/>
+              </a:rPr>
+              <a:t>SOLUÇÃO</a:t>
+            </a:r>
+          </a:p>
+          <a:p>
+            <a:pPr marL="685800" indent="-685800">
+              <a:lnSpc>
+                <a:spcPts val="7488"/>
+              </a:lnSpc>
+              <a:buFont typeface="Arial"/>
+              <a:buChar char="•"/>
+            </a:pPr>
+            <a:r>
+              <a:rPr lang="en-US" sz="4950" spc="494">
+                <a:solidFill>
+                  <a:srgbClr val="FFFFFF"/>
+                </a:solidFill>
+                <a:latin typeface="Bebas Neue"/>
+              </a:rPr>
+              <a:t>BENEFICIOS</a:t>
             </a:r>
           </a:p>
         </p:txBody>
@@ -5212,7 +5258,7 @@
         <p:spPr>
           <a:xfrm>
             <a:off x="4089464" y="971550"/>
-            <a:ext cx="10109072" cy="1015365"/>
+            <a:ext cx="10109072" cy="1051570"/>
           </a:xfrm>
           <a:prstGeom prst="rect">
             <a:avLst/>
@@ -5236,7 +5282,7 @@
                 </a:solidFill>
                 <a:latin typeface="League Spartan"/>
               </a:rPr>
-              <a:t>CONTEXTUALIZAÇÃO</a:t>
+              <a:t>NOVO PRODUTO</a:t>
             </a:r>
           </a:p>
         </p:txBody>
@@ -5249,33 +5295,89 @@
         </p:nvSpPr>
         <p:spPr>
           <a:xfrm>
-            <a:off x="2090388" y="2242150"/>
-            <a:ext cx="14107223" cy="5603291"/>
-          </a:xfrm>
-          <a:prstGeom prst="rect">
-            <a:avLst/>
-          </a:prstGeom>
-        </p:spPr>
-        <p:txBody>
-          <a:bodyPr lIns="0" tIns="0" rIns="0" bIns="0" rtlCol="0" anchor="t">
+            <a:off x="7327026" y="3278391"/>
+            <a:ext cx="5729553" cy="3718647"/>
+          </a:xfrm>
+          <a:prstGeom prst="rect">
+            <a:avLst/>
+          </a:prstGeom>
+        </p:spPr>
+        <p:txBody>
+          <a:bodyPr wrap="square" lIns="0" tIns="0" rIns="0" bIns="0" rtlCol="0" anchor="t">
             <a:spAutoFit/>
           </a:bodyPr>
           <a:lstStyle/>
           <a:p>
-            <a:pPr>
+            <a:pPr marL="685800" indent="-685800">
               <a:lnSpc>
                 <a:spcPts val="7488"/>
               </a:lnSpc>
-            </a:pPr>
-            <a:r>
-              <a:rPr lang="en-US" sz="4992" spc="494">
+              <a:buFont typeface="Arial"/>
+              <a:buChar char="•"/>
+            </a:pPr>
+            <a:r>
+              <a:rPr lang="en-US" sz="4950" spc="494">
                 <a:solidFill>
                   <a:srgbClr val="FFFFFF"/>
                 </a:solidFill>
                 <a:latin typeface="Bebas Neue"/>
               </a:rPr>
-              <a:t>O projeto Luminous nasceu com o intuito de melhorar a relação das empresas com o consumo de energia e principalmente com o meio ambiente, afinal, nada melhor que ajudar com a preservação do meio ambiente e ainda por cima economizar com conta de luz no final do mês.</a:t>
-            </a:r>
+              <a:t>POR QUE</a:t>
+            </a:r>
+          </a:p>
+          <a:p>
+            <a:pPr marL="685800" indent="-685800">
+              <a:lnSpc>
+                <a:spcPts val="7488"/>
+              </a:lnSpc>
+              <a:buFont typeface="Arial"/>
+              <a:buChar char="•"/>
+            </a:pPr>
+            <a:r>
+              <a:rPr lang="en-US" sz="4950" spc="494">
+                <a:solidFill>
+                  <a:srgbClr val="FFFFFF"/>
+                </a:solidFill>
+                <a:latin typeface="Bebas Neue"/>
+                <a:cs typeface="Calibri"/>
+              </a:rPr>
+              <a:t>OBJETIVO</a:t>
+            </a:r>
+          </a:p>
+          <a:p>
+            <a:pPr marL="685800" indent="-685800">
+              <a:lnSpc>
+                <a:spcPts val="7488"/>
+              </a:lnSpc>
+              <a:buFont typeface="Arial"/>
+              <a:buChar char="•"/>
+            </a:pPr>
+            <a:r>
+              <a:rPr lang="en-US" sz="4950" spc="494">
+                <a:solidFill>
+                  <a:srgbClr val="FFFFFF"/>
+                </a:solidFill>
+                <a:latin typeface="Bebas Neue"/>
+                <a:cs typeface="Calibri"/>
+              </a:rPr>
+              <a:t>BENEFICIOS</a:t>
+            </a:r>
+          </a:p>
+          <a:p>
+            <a:pPr marL="685800" indent="-685800">
+              <a:lnSpc>
+                <a:spcPts val="7488"/>
+              </a:lnSpc>
+              <a:buFont typeface="Arial"/>
+              <a:buChar char="•"/>
+            </a:pPr>
+            <a:endParaRPr lang="en-US" sz="4950" spc="494">
+              <a:solidFill>
+                <a:srgbClr val="FFFFFF"/>
+              </a:solidFill>
+              <a:latin typeface="Bebas Neue"/>
+              <a:cs typeface="Calibri"/>
+            </a:endParaRPr>
           </a:p>
         </p:txBody>
       </p:sp>
@@ -5358,7 +5460,7 @@
               </a:lnSpc>
             </a:pPr>
             <a:r>
-              <a:rPr lang="en-US" sz="6300" spc="315" dirty="0">
+              <a:rPr lang="en-US" sz="6300" spc="315">
                 <a:solidFill>
                   <a:srgbClr val="FDD05A"/>
                 </a:solidFill>
@@ -5366,7 +5468,7 @@
               </a:rPr>
               <a:t>LLD</a:t>
             </a:r>
-            <a:endParaRPr lang="en-US" dirty="0"/>
+            <a:endParaRPr lang="en-US"/>
           </a:p>
         </p:txBody>
       </p:sp>
@@ -7920,7 +8022,7 @@
                 </a:solidFill>
                 <a:latin typeface="Bebas Neue"/>
               </a:rPr>
-              <a:t>SEUS SISTEMAS FICAM LENTOS CONSTATEMNETE PELA FALTA DE MONITORAMENTO</a:t>
+              <a:t>SEUS SISTEMAS FICAM LENTOS CONSTANTEMENTE PELA FALTA DE MONITORAMENTO</a:t>
             </a:r>
           </a:p>
         </p:txBody>
